--- a/assignments/Presentation 3.pptx
+++ b/assignments/Presentation 3.pptx
@@ -7286,14 +7286,14 @@
                 <a:latin typeface="Arial" panose="020B0604020202020204" pitchFamily="34" charset="0"/>
                 <a:cs typeface="Arial" panose="020B0604020202020204" pitchFamily="34" charset="0"/>
               </a:rPr>
-              <a:t> for this </a:t>
+              <a:t> for </a:t>
             </a:r>
             <a:r>
               <a:rPr lang="en-US" sz="2800" dirty="0" smtClean="0">
                 <a:latin typeface="Arial" panose="020B0604020202020204" pitchFamily="34" charset="0"/>
                 <a:cs typeface="Arial" panose="020B0604020202020204" pitchFamily="34" charset="0"/>
               </a:rPr>
-              <a:t>result</a:t>
+              <a:t>the result</a:t>
             </a:r>
           </a:p>
           <a:p>
@@ -7334,11 +7334,25 @@
               <a:t> </a:t>
             </a:r>
             <a:r>
+              <a:rPr lang="en-US" sz="2800">
+                <a:latin typeface="Arial" panose="020B0604020202020204" pitchFamily="34" charset="0"/>
+                <a:cs typeface="Arial" panose="020B0604020202020204" pitchFamily="34" charset="0"/>
+              </a:rPr>
+              <a:t>for </a:t>
+            </a:r>
+            <a:r>
+              <a:rPr lang="en-US" sz="2800" smtClean="0">
+                <a:latin typeface="Arial" panose="020B0604020202020204" pitchFamily="34" charset="0"/>
+                <a:cs typeface="Arial" panose="020B0604020202020204" pitchFamily="34" charset="0"/>
+              </a:rPr>
+              <a:t>the </a:t>
+            </a:r>
+            <a:r>
               <a:rPr lang="en-US" sz="2800" dirty="0">
                 <a:latin typeface="Arial" panose="020B0604020202020204" pitchFamily="34" charset="0"/>
                 <a:cs typeface="Arial" panose="020B0604020202020204" pitchFamily="34" charset="0"/>
               </a:rPr>
-              <a:t>for this query. </a:t>
+              <a:t>query. </a:t>
             </a:r>
           </a:p>
           <a:p>

--- a/assignments/Presentation 3.pptx
+++ b/assignments/Presentation 3.pptx
@@ -5288,7 +5288,7 @@
                 <a:latin typeface="Arial" panose="020B0604020202020204" pitchFamily="34" charset="0"/>
                 <a:cs typeface="Arial" panose="020B0604020202020204" pitchFamily="34" charset="0"/>
               </a:rPr>
-              <a:t>Missing snippets, short snippets and complex URLs negatively impact </a:t>
+              <a:t>Missing snippets, short snippets and complex URLs affect </a:t>
             </a:r>
             <a:r>
               <a:rPr lang="en-US" sz="3200" dirty="0" err="1" smtClean="0">
@@ -7334,14 +7334,14 @@
               <a:t> </a:t>
             </a:r>
             <a:r>
-              <a:rPr lang="en-US" sz="2800">
+              <a:rPr lang="en-US" sz="2800" dirty="0">
                 <a:latin typeface="Arial" panose="020B0604020202020204" pitchFamily="34" charset="0"/>
                 <a:cs typeface="Arial" panose="020B0604020202020204" pitchFamily="34" charset="0"/>
               </a:rPr>
               <a:t>for </a:t>
             </a:r>
             <a:r>
-              <a:rPr lang="en-US" sz="2800" smtClean="0">
+              <a:rPr lang="en-US" sz="2800" dirty="0" smtClean="0">
                 <a:latin typeface="Arial" panose="020B0604020202020204" pitchFamily="34" charset="0"/>
                 <a:cs typeface="Arial" panose="020B0604020202020204" pitchFamily="34" charset="0"/>
               </a:rPr>
